--- a/JS/009_lesson/Presentation/events_2.pptx
+++ b/JS/009_lesson/Presentation/events_2.pptx
@@ -241,7 +241,7 @@
             <a:fld id="{C1951A84-8083-4F68-A786-57C80B44AB3C}" type="datetimeFigureOut">
               <a:rPr lang="en-US" smtClean="0"/>
               <a:pPr/>
-              <a:t>8/3/2016</a:t>
+              <a:t>3/31/2017</a:t>
             </a:fld>
             <a:endParaRPr lang="en-US"/>
           </a:p>
@@ -408,7 +408,7 @@
             <a:fld id="{F938EB94-4B54-4539-BEE7-C3885B42E71C}" type="datetimeFigureOut">
               <a:rPr lang="en-US" smtClean="0"/>
               <a:pPr/>
-              <a:t>8/3/2016</a:t>
+              <a:t>3/31/2017</a:t>
             </a:fld>
             <a:endParaRPr lang="en-US"/>
           </a:p>
@@ -3310,7 +3310,7 @@
               <a:rPr lang="ru-RU" dirty="0">
                 <a:latin typeface="Calibri" pitchFamily="34" charset="0"/>
               </a:rPr>
-              <a:t>– страница и все ресурсы загружены, используется редко, обычно нет нужды ждать этого момента. </a:t>
+              <a:t>– страница и все ресурсы загружены. </a:t>
             </a:r>
           </a:p>
           <a:p>
@@ -3347,7 +3347,7 @@
               <a:rPr lang="ru-RU" dirty="0">
                 <a:latin typeface="Calibri" pitchFamily="34" charset="0"/>
               </a:rPr>
-              <a:t>– можно проверить, сохранил ли посетитель изменения, уточнить, действительно ли он хочет покинуть страницу.</a:t>
+              <a:t>– пользователь покидает страницу. Можно проверить, сохранил ли посетитель изменения, уточнить, действительно ли он хочет покинуть страницу.</a:t>
             </a:r>
           </a:p>
           <a:p>
